--- a/05-testing-cookbooks-windows.pptx
+++ b/05-testing-cookbooks-windows.pptx
@@ -285,7 +285,7 @@
               <a:pPr>
                 <a:defRPr/>
               </a:pPr>
-              <a:t>2015-11-02</a:t>
+              <a:t>2015-11-10</a:t>
             </a:fld>
             <a:endParaRPr lang="en-US" dirty="0"/>
           </a:p>
@@ -468,7 +468,7 @@
               <a:pPr>
                 <a:defRPr/>
               </a:pPr>
-              <a:t>2015-11-02</a:t>
+              <a:t>2015-11-10</a:t>
             </a:fld>
             <a:endParaRPr lang="en-US" dirty="0"/>
           </a:p>
@@ -1434,14 +1434,14 @@
           </a:ln>
           <a:extLst>
             <a:ext uri="{909E8E84-426E-40dd-AFC4-6F175D3DCCD1}">
-              <a14:hiddenFill xmlns="" xmlns:a14="http://schemas.microsoft.com/office/drawing/2010/main">
+              <a14:hiddenFill xmlns:a14="http://schemas.microsoft.com/office/drawing/2010/main" xmlns="">
                 <a:solidFill>
                   <a:srgbClr val="FFFFFF"/>
                 </a:solidFill>
               </a14:hiddenFill>
             </a:ext>
             <a:ext uri="{91240B29-F687-4f45-9708-019B960494DF}">
-              <a14:hiddenLine xmlns="" xmlns:a14="http://schemas.microsoft.com/office/drawing/2010/main" w="9525">
+              <a14:hiddenLine xmlns:a14="http://schemas.microsoft.com/office/drawing/2010/main" xmlns="" w="9525">
                 <a:solidFill>
                   <a:srgbClr val="000000"/>
                 </a:solidFill>
@@ -1589,14 +1589,14 @@
           </a:ln>
           <a:extLst>
             <a:ext uri="{909E8E84-426E-40dd-AFC4-6F175D3DCCD1}">
-              <a14:hiddenFill xmlns="" xmlns:a14="http://schemas.microsoft.com/office/drawing/2010/main">
+              <a14:hiddenFill xmlns:a14="http://schemas.microsoft.com/office/drawing/2010/main" xmlns="">
                 <a:solidFill>
                   <a:srgbClr val="FFFFFF"/>
                 </a:solidFill>
               </a14:hiddenFill>
             </a:ext>
             <a:ext uri="{91240B29-F687-4f45-9708-019B960494DF}">
-              <a14:hiddenLine xmlns="" xmlns:a14="http://schemas.microsoft.com/office/drawing/2010/main" w="9525">
+              <a14:hiddenLine xmlns:a14="http://schemas.microsoft.com/office/drawing/2010/main" xmlns="" w="9525">
                 <a:solidFill>
                   <a:srgbClr val="000000"/>
                 </a:solidFill>
@@ -2087,14 +2087,14 @@
           </a:ln>
           <a:extLst>
             <a:ext uri="{909E8E84-426E-40dd-AFC4-6F175D3DCCD1}">
-              <a14:hiddenFill xmlns="" xmlns:a14="http://schemas.microsoft.com/office/drawing/2010/main">
+              <a14:hiddenFill xmlns:a14="http://schemas.microsoft.com/office/drawing/2010/main" xmlns="">
                 <a:solidFill>
                   <a:srgbClr val="FFFFFF"/>
                 </a:solidFill>
               </a14:hiddenFill>
             </a:ext>
             <a:ext uri="{91240B29-F687-4f45-9708-019B960494DF}">
-              <a14:hiddenLine xmlns="" xmlns:a14="http://schemas.microsoft.com/office/drawing/2010/main" w="9525">
+              <a14:hiddenLine xmlns:a14="http://schemas.microsoft.com/office/drawing/2010/main" xmlns="" w="9525">
                 <a:solidFill>
                   <a:srgbClr val="000000"/>
                 </a:solidFill>
@@ -3543,14 +3543,14 @@
           </a:ln>
           <a:extLst>
             <a:ext uri="{909E8E84-426E-40dd-AFC4-6F175D3DCCD1}">
-              <a14:hiddenFill xmlns="" xmlns:a14="http://schemas.microsoft.com/office/drawing/2010/main">
+              <a14:hiddenFill xmlns:a14="http://schemas.microsoft.com/office/drawing/2010/main" xmlns="">
                 <a:solidFill>
                   <a:srgbClr val="FFFFFF"/>
                 </a:solidFill>
               </a14:hiddenFill>
             </a:ext>
             <a:ext uri="{91240B29-F687-4f45-9708-019B960494DF}">
-              <a14:hiddenLine xmlns="" xmlns:a14="http://schemas.microsoft.com/office/drawing/2010/main" w="9525">
+              <a14:hiddenLine xmlns:a14="http://schemas.microsoft.com/office/drawing/2010/main" xmlns="" w="9525">
                 <a:solidFill>
                   <a:srgbClr val="000000"/>
                 </a:solidFill>
@@ -4904,14 +4904,14 @@
           </a:ln>
           <a:extLst>
             <a:ext uri="{909E8E84-426E-40dd-AFC4-6F175D3DCCD1}">
-              <a14:hiddenFill xmlns="" xmlns:a14="http://schemas.microsoft.com/office/drawing/2010/main">
+              <a14:hiddenFill xmlns:a14="http://schemas.microsoft.com/office/drawing/2010/main" xmlns="">
                 <a:solidFill>
                   <a:srgbClr val="FFFFFF"/>
                 </a:solidFill>
               </a14:hiddenFill>
             </a:ext>
             <a:ext uri="{91240B29-F687-4f45-9708-019B960494DF}">
-              <a14:hiddenLine xmlns="" xmlns:a14="http://schemas.microsoft.com/office/drawing/2010/main" w="9525">
+              <a14:hiddenLine xmlns:a14="http://schemas.microsoft.com/office/drawing/2010/main" xmlns="" w="9525">
                 <a:solidFill>
                   <a:srgbClr val="000000"/>
                 </a:solidFill>
@@ -5469,14 +5469,14 @@
           </a:ln>
           <a:extLst>
             <a:ext uri="{909E8E84-426E-40dd-AFC4-6F175D3DCCD1}">
-              <a14:hiddenFill xmlns="" xmlns:a14="http://schemas.microsoft.com/office/drawing/2010/main">
+              <a14:hiddenFill xmlns:a14="http://schemas.microsoft.com/office/drawing/2010/main" xmlns="">
                 <a:solidFill>
                   <a:srgbClr val="FFFFFF"/>
                 </a:solidFill>
               </a14:hiddenFill>
             </a:ext>
             <a:ext uri="{91240B29-F687-4f45-9708-019B960494DF}">
-              <a14:hiddenLine xmlns="" xmlns:a14="http://schemas.microsoft.com/office/drawing/2010/main" w="9525">
+              <a14:hiddenLine xmlns:a14="http://schemas.microsoft.com/office/drawing/2010/main" xmlns="" w="9525">
                 <a:solidFill>
                   <a:srgbClr val="000000"/>
                 </a:solidFill>
@@ -6043,14 +6043,14 @@
           </a:ln>
           <a:extLst>
             <a:ext uri="{909E8E84-426E-40dd-AFC4-6F175D3DCCD1}">
-              <a14:hiddenFill xmlns="" xmlns:a14="http://schemas.microsoft.com/office/drawing/2010/main">
+              <a14:hiddenFill xmlns:a14="http://schemas.microsoft.com/office/drawing/2010/main" xmlns="">
                 <a:solidFill>
                   <a:srgbClr val="FFFFFF"/>
                 </a:solidFill>
               </a14:hiddenFill>
             </a:ext>
             <a:ext uri="{91240B29-F687-4f45-9708-019B960494DF}">
-              <a14:hiddenLine xmlns="" xmlns:a14="http://schemas.microsoft.com/office/drawing/2010/main" w="9525">
+              <a14:hiddenLine xmlns:a14="http://schemas.microsoft.com/office/drawing/2010/main" xmlns="" w="9525">
                 <a:solidFill>
                   <a:srgbClr val="000000"/>
                 </a:solidFill>
@@ -6990,14 +6990,14 @@
           </a:ln>
           <a:extLst>
             <a:ext uri="{909E8E84-426E-40dd-AFC4-6F175D3DCCD1}">
-              <a14:hiddenFill xmlns="" xmlns:a14="http://schemas.microsoft.com/office/drawing/2010/main">
+              <a14:hiddenFill xmlns:a14="http://schemas.microsoft.com/office/drawing/2010/main" xmlns="">
                 <a:solidFill>
                   <a:srgbClr val="FFFFFF"/>
                 </a:solidFill>
               </a14:hiddenFill>
             </a:ext>
             <a:ext uri="{91240B29-F687-4f45-9708-019B960494DF}">
-              <a14:hiddenLine xmlns="" xmlns:a14="http://schemas.microsoft.com/office/drawing/2010/main" w="9525">
+              <a14:hiddenLine xmlns:a14="http://schemas.microsoft.com/office/drawing/2010/main" xmlns="" w="9525">
                 <a:solidFill>
                   <a:srgbClr val="000000"/>
                 </a:solidFill>
@@ -7737,14 +7737,14 @@
           </a:ln>
           <a:extLst>
             <a:ext uri="{909E8E84-426E-40dd-AFC4-6F175D3DCCD1}">
-              <a14:hiddenFill xmlns="" xmlns:a14="http://schemas.microsoft.com/office/drawing/2010/main">
+              <a14:hiddenFill xmlns:a14="http://schemas.microsoft.com/office/drawing/2010/main" xmlns="">
                 <a:solidFill>
                   <a:srgbClr val="FFFFFF"/>
                 </a:solidFill>
               </a14:hiddenFill>
             </a:ext>
             <a:ext uri="{91240B29-F687-4f45-9708-019B960494DF}">
-              <a14:hiddenLine xmlns="" xmlns:a14="http://schemas.microsoft.com/office/drawing/2010/main" w="9525">
+              <a14:hiddenLine xmlns:a14="http://schemas.microsoft.com/office/drawing/2010/main" xmlns="" w="9525">
                 <a:solidFill>
                   <a:srgbClr val="000000"/>
                 </a:solidFill>
@@ -8484,7 +8484,11 @@
           <a:bodyPr/>
           <a:lstStyle/>
           <a:p>
-            <a:endParaRPr lang="en-US"/>
+            <a:r>
+              <a:rPr lang="en-US" dirty="0" smtClean="0"/>
+              <a:t>Testing Cookbooks</a:t>
+            </a:r>
+            <a:endParaRPr lang="en-US" dirty="0"/>
           </a:p>
         </p:txBody>
       </p:sp>
@@ -8784,7 +8788,11 @@
             </a:pPr>
             <a:r>
               <a:rPr lang="en-US" dirty="0" smtClean="0"/>
-              <a:t>Something</a:t>
+              <a:t>Write a test in </a:t>
+            </a:r>
+            <a:r>
+              <a:rPr lang="en-US" dirty="0" err="1" smtClean="0"/>
+              <a:t>ServerSpect</a:t>
             </a:r>
             <a:endParaRPr lang="en-US" dirty="0" smtClean="0"/>
           </a:p>
@@ -8795,7 +8803,15 @@
             </a:pPr>
             <a:r>
               <a:rPr lang="en-US" dirty="0" smtClean="0"/>
-              <a:t>Something else</a:t>
+              <a:t>Verify the </a:t>
+            </a:r>
+            <a:r>
+              <a:rPr lang="en-US" smtClean="0"/>
+              <a:t>test passes with Test </a:t>
+            </a:r>
+            <a:r>
+              <a:rPr lang="en-US" dirty="0" smtClean="0"/>
+              <a:t>Kitchen</a:t>
             </a:r>
             <a:endParaRPr lang="en-US" dirty="0" smtClean="0"/>
           </a:p>
